--- a/宣道詩/(宣道詩133)成聖須用功夫.pptx
+++ b/宣道詩/(宣道詩133)成聖須用功夫.pptx
@@ -310,7 +310,7 @@
           <a:p>
             <a:fld id="{5BEE1C7B-0BE2-417E-BA4A-09FE631BD2ED}" type="datetimeFigureOut">
               <a:rPr lang="zh-TW" altLang="en-US" smtClean="0"/>
-              <a:t>2021/11/19</a:t>
+              <a:t>2023/5/6</a:t>
             </a:fld>
             <a:endParaRPr lang="zh-TW" altLang="en-US"/>
           </a:p>
@@ -487,7 +487,7 @@
           <a:p>
             <a:fld id="{5BEE1C7B-0BE2-417E-BA4A-09FE631BD2ED}" type="datetimeFigureOut">
               <a:rPr lang="zh-TW" altLang="en-US" smtClean="0"/>
-              <a:t>2021/11/19</a:t>
+              <a:t>2023/5/6</a:t>
             </a:fld>
             <a:endParaRPr lang="zh-TW" altLang="en-US"/>
           </a:p>
@@ -674,7 +674,7 @@
           <a:p>
             <a:fld id="{5BEE1C7B-0BE2-417E-BA4A-09FE631BD2ED}" type="datetimeFigureOut">
               <a:rPr lang="zh-TW" altLang="en-US" smtClean="0"/>
-              <a:t>2021/11/19</a:t>
+              <a:t>2023/5/6</a:t>
             </a:fld>
             <a:endParaRPr lang="zh-TW" altLang="en-US"/>
           </a:p>
@@ -851,7 +851,7 @@
           <a:p>
             <a:fld id="{5BEE1C7B-0BE2-417E-BA4A-09FE631BD2ED}" type="datetimeFigureOut">
               <a:rPr lang="zh-TW" altLang="en-US" smtClean="0"/>
-              <a:t>2021/11/19</a:t>
+              <a:t>2023/5/6</a:t>
             </a:fld>
             <a:endParaRPr lang="zh-TW" altLang="en-US"/>
           </a:p>
@@ -1104,7 +1104,7 @@
           <a:p>
             <a:fld id="{5BEE1C7B-0BE2-417E-BA4A-09FE631BD2ED}" type="datetimeFigureOut">
               <a:rPr lang="zh-TW" altLang="en-US" smtClean="0"/>
-              <a:t>2021/11/19</a:t>
+              <a:t>2023/5/6</a:t>
             </a:fld>
             <a:endParaRPr lang="zh-TW" altLang="en-US"/>
           </a:p>
@@ -1399,7 +1399,7 @@
           <a:p>
             <a:fld id="{5BEE1C7B-0BE2-417E-BA4A-09FE631BD2ED}" type="datetimeFigureOut">
               <a:rPr lang="zh-TW" altLang="en-US" smtClean="0"/>
-              <a:t>2021/11/19</a:t>
+              <a:t>2023/5/6</a:t>
             </a:fld>
             <a:endParaRPr lang="zh-TW" altLang="en-US"/>
           </a:p>
@@ -1828,7 +1828,7 @@
           <a:p>
             <a:fld id="{5BEE1C7B-0BE2-417E-BA4A-09FE631BD2ED}" type="datetimeFigureOut">
               <a:rPr lang="zh-TW" altLang="en-US" smtClean="0"/>
-              <a:t>2021/11/19</a:t>
+              <a:t>2023/5/6</a:t>
             </a:fld>
             <a:endParaRPr lang="zh-TW" altLang="en-US"/>
           </a:p>
@@ -1953,7 +1953,7 @@
           <a:p>
             <a:fld id="{5BEE1C7B-0BE2-417E-BA4A-09FE631BD2ED}" type="datetimeFigureOut">
               <a:rPr lang="zh-TW" altLang="en-US" smtClean="0"/>
-              <a:t>2021/11/19</a:t>
+              <a:t>2023/5/6</a:t>
             </a:fld>
             <a:endParaRPr lang="zh-TW" altLang="en-US"/>
           </a:p>
@@ -2055,7 +2055,7 @@
           <a:p>
             <a:fld id="{5BEE1C7B-0BE2-417E-BA4A-09FE631BD2ED}" type="datetimeFigureOut">
               <a:rPr lang="zh-TW" altLang="en-US" smtClean="0"/>
-              <a:t>2021/11/19</a:t>
+              <a:t>2023/5/6</a:t>
             </a:fld>
             <a:endParaRPr lang="zh-TW" altLang="en-US"/>
           </a:p>
@@ -2339,7 +2339,7 @@
           <a:p>
             <a:fld id="{5BEE1C7B-0BE2-417E-BA4A-09FE631BD2ED}" type="datetimeFigureOut">
               <a:rPr lang="zh-TW" altLang="en-US" smtClean="0"/>
-              <a:t>2021/11/19</a:t>
+              <a:t>2023/5/6</a:t>
             </a:fld>
             <a:endParaRPr lang="zh-TW" altLang="en-US"/>
           </a:p>
@@ -2603,7 +2603,7 @@
           <a:p>
             <a:fld id="{5BEE1C7B-0BE2-417E-BA4A-09FE631BD2ED}" type="datetimeFigureOut">
               <a:rPr lang="zh-TW" altLang="en-US" smtClean="0"/>
-              <a:t>2021/11/19</a:t>
+              <a:t>2023/5/6</a:t>
             </a:fld>
             <a:endParaRPr lang="zh-TW" altLang="en-US"/>
           </a:p>
@@ -2828,7 +2828,7 @@
           <a:p>
             <a:fld id="{5BEE1C7B-0BE2-417E-BA4A-09FE631BD2ED}" type="datetimeFigureOut">
               <a:rPr lang="zh-TW" altLang="en-US" smtClean="0"/>
-              <a:t>2021/11/19</a:t>
+              <a:t>2023/5/6</a:t>
             </a:fld>
             <a:endParaRPr lang="zh-TW" altLang="en-US"/>
           </a:p>
@@ -3317,24 +3317,7 @@
                 <a:latin typeface="微軟正黑體" pitchFamily="34" charset="-120"/>
                 <a:ea typeface="微軟正黑體" pitchFamily="34" charset="-120"/>
               </a:rPr>
-              <a:t>成</a:t>
-            </a:r>
-            <a:r>
-              <a:rPr lang="zh-CN" altLang="en-US" sz="8000" b="1" dirty="0">
-                <a:solidFill>
-                  <a:srgbClr val="660033"/>
-                </a:solidFill>
-                <a:effectLst>
-                  <a:outerShdw blurRad="38100" dist="38100" dir="2700000" algn="tl">
-                    <a:srgbClr val="000000">
-                      <a:alpha val="43137"/>
-                    </a:srgbClr>
-                  </a:outerShdw>
-                </a:effectLst>
-                <a:latin typeface="微軟正黑體" pitchFamily="34" charset="-120"/>
-                <a:ea typeface="微軟正黑體" pitchFamily="34" charset="-120"/>
-              </a:rPr>
-              <a:t>聖須用功夫</a:t>
+              <a:t>成聖須用功夫</a:t>
             </a:r>
             <a:endParaRPr lang="zh-TW" altLang="en-US" sz="8000" b="1" dirty="0">
               <a:solidFill>
@@ -3363,11 +3346,11 @@
   <p:clrMapOvr>
     <a:masterClrMapping/>
   </p:clrMapOvr>
-  <mc:AlternateContent xmlns:mc="http://schemas.openxmlformats.org/markup-compatibility/2006">
-    <mc:Choice xmlns:p14="http://schemas.microsoft.com/office/powerpoint/2010/main" Requires="p14">
+  <mc:AlternateContent xmlns:mc="http://schemas.openxmlformats.org/markup-compatibility/2006" xmlns:p14="http://schemas.microsoft.com/office/powerpoint/2010/main">
+    <mc:Choice Requires="p14">
       <p:transition p14:dur="0"/>
     </mc:Choice>
-    <mc:Fallback>
+    <mc:Fallback xmlns="">
       <p:transition/>
     </mc:Fallback>
   </mc:AlternateContent>
@@ -3431,27 +3414,7 @@
                 <a:latin typeface="Microsoft JhengHei" pitchFamily="34" charset="-120"/>
                 <a:ea typeface="Microsoft JhengHei" pitchFamily="34" charset="-120"/>
               </a:rPr>
-              <a:t>成</a:t>
-            </a:r>
-            <a:r>
-              <a:rPr lang="zh-CN" altLang="en-US" sz="6400" b="1" dirty="0">
-                <a:solidFill>
-                  <a:srgbClr val="660033"/>
-                </a:solidFill>
-                <a:latin typeface="Microsoft JhengHei" pitchFamily="34" charset="-120"/>
-                <a:ea typeface="Microsoft JhengHei" pitchFamily="34" charset="-120"/>
-              </a:rPr>
-              <a:t>聖須用功</a:t>
-            </a:r>
-            <a:r>
-              <a:rPr lang="zh-CN" altLang="en-US" sz="6400" b="1" dirty="0">
-                <a:solidFill>
-                  <a:srgbClr val="660033"/>
-                </a:solidFill>
-                <a:latin typeface="Microsoft JhengHei" pitchFamily="34" charset="-120"/>
-                <a:ea typeface="Microsoft JhengHei" pitchFamily="34" charset="-120"/>
-              </a:rPr>
-              <a:t>夫</a:t>
+              <a:t>成聖須用功夫</a:t>
             </a:r>
             <a:r>
               <a:rPr lang="en-US" altLang="zh-CN" sz="6400" b="1" dirty="0">
@@ -3493,27 +3456,7 @@
                 <a:latin typeface="Microsoft JhengHei" pitchFamily="34" charset="-120"/>
                 <a:ea typeface="Microsoft JhengHei" pitchFamily="34" charset="-120"/>
               </a:rPr>
-              <a:t>歡欣與主心</a:t>
-            </a:r>
-            <a:r>
-              <a:rPr lang="zh-CN" altLang="en-US" sz="6400" b="1" dirty="0">
-                <a:solidFill>
-                  <a:srgbClr val="660033"/>
-                </a:solidFill>
-                <a:latin typeface="Microsoft JhengHei" pitchFamily="34" charset="-120"/>
-                <a:ea typeface="Microsoft JhengHei" pitchFamily="34" charset="-120"/>
-              </a:rPr>
-              <a:t>交   </a:t>
-            </a:r>
-            <a:r>
-              <a:rPr lang="zh-CN" altLang="en-US" sz="6400" b="1" dirty="0">
-                <a:solidFill>
-                  <a:srgbClr val="660033"/>
-                </a:solidFill>
-                <a:latin typeface="Microsoft JhengHei" pitchFamily="34" charset="-120"/>
-                <a:ea typeface="Microsoft JhengHei" pitchFamily="34" charset="-120"/>
-              </a:rPr>
-              <a:t>夜靜時亦好</a:t>
+              <a:t>歡欣與主心交   夜靜時亦好</a:t>
             </a:r>
             <a:endParaRPr lang="en-US" altLang="zh-CN" sz="6400" b="1" dirty="0">
               <a:solidFill>
@@ -3534,7 +3477,7 @@
         <p:spPr>
           <a:xfrm>
             <a:off x="0" y="5061182"/>
-            <a:ext cx="12192000" cy="830997"/>
+            <a:ext cx="12192000" cy="707886"/>
           </a:xfrm>
           <a:prstGeom prst="rect">
             <a:avLst/>
@@ -3549,14 +3492,30 @@
           <a:p>
             <a:pPr algn="ctr"/>
             <a:r>
-              <a:rPr lang="en-US" sz="4800" b="1" dirty="0">
+              <a:rPr lang="en-US" sz="4000" b="1" dirty="0">
                 <a:solidFill>
                   <a:srgbClr val="660033"/>
                 </a:solidFill>
               </a:rPr>
-              <a:t>( 1 )</a:t>
-            </a:r>
-            <a:endParaRPr lang="vi-VN" sz="4800" b="1" dirty="0">
+              <a:t>( </a:t>
+            </a:r>
+            <a:r>
+              <a:rPr lang="en-US" sz="4000" b="1" dirty="0" smtClean="0">
+                <a:solidFill>
+                  <a:srgbClr val="660033"/>
+                </a:solidFill>
+              </a:rPr>
+              <a:t>1 / 3 </a:t>
+            </a:r>
+            <a:r>
+              <a:rPr lang="en-US" sz="4000" b="1" dirty="0">
+                <a:solidFill>
+                  <a:srgbClr val="660033"/>
+                </a:solidFill>
+              </a:rPr>
+              <a:t>)</a:t>
+            </a:r>
+            <a:endParaRPr lang="vi-VN" sz="4000" b="1" dirty="0">
               <a:solidFill>
                 <a:srgbClr val="660033"/>
               </a:solidFill>
@@ -3574,11 +3533,11 @@
   <p:clrMapOvr>
     <a:masterClrMapping/>
   </p:clrMapOvr>
-  <mc:AlternateContent xmlns:mc="http://schemas.openxmlformats.org/markup-compatibility/2006">
-    <mc:Choice xmlns:p14="http://schemas.microsoft.com/office/powerpoint/2010/main" Requires="p14">
+  <mc:AlternateContent xmlns:mc="http://schemas.openxmlformats.org/markup-compatibility/2006" xmlns:p14="http://schemas.microsoft.com/office/powerpoint/2010/main">
+    <mc:Choice Requires="p14">
       <p:transition p14:dur="0"/>
     </mc:Choice>
-    <mc:Fallback>
+    <mc:Fallback xmlns="">
       <p:transition/>
     </mc:Fallback>
   </mc:AlternateContent>
@@ -3642,27 +3601,7 @@
                 <a:latin typeface="Microsoft JhengHei" pitchFamily="34" charset="-120"/>
                 <a:ea typeface="Microsoft JhengHei" pitchFamily="34" charset="-120"/>
               </a:rPr>
-              <a:t>禱告言必明心  </a:t>
-            </a:r>
-            <a:r>
-              <a:rPr lang="zh-CN" altLang="en-US" sz="6400" b="1" dirty="0">
-                <a:solidFill>
-                  <a:srgbClr val="660033"/>
-                </a:solidFill>
-                <a:latin typeface="Microsoft JhengHei" pitchFamily="34" charset="-120"/>
-                <a:ea typeface="Microsoft JhengHei" pitchFamily="34" charset="-120"/>
-              </a:rPr>
-              <a:t> 與</a:t>
-            </a:r>
-            <a:r>
-              <a:rPr lang="zh-CN" altLang="en-US" sz="6400" b="1" dirty="0">
-                <a:solidFill>
-                  <a:srgbClr val="660033"/>
-                </a:solidFill>
-                <a:latin typeface="Microsoft JhengHei" pitchFamily="34" charset="-120"/>
-                <a:ea typeface="Microsoft JhengHei" pitchFamily="34" charset="-120"/>
-              </a:rPr>
-              <a:t>恩友親近</a:t>
+              <a:t>禱告言必明心   與恩友親近</a:t>
             </a:r>
             <a:endParaRPr lang="en-US" altLang="zh-CN" sz="6400" b="1" dirty="0">
               <a:solidFill>
@@ -3684,27 +3623,7 @@
                 <a:latin typeface="Microsoft JhengHei" pitchFamily="34" charset="-120"/>
                 <a:ea typeface="Microsoft JhengHei" pitchFamily="34" charset="-120"/>
               </a:rPr>
-              <a:t>看經功似掘金  </a:t>
-            </a:r>
-            <a:r>
-              <a:rPr lang="zh-CN" altLang="en-US" sz="6400" b="1" dirty="0">
-                <a:solidFill>
-                  <a:srgbClr val="660033"/>
-                </a:solidFill>
-                <a:latin typeface="Microsoft JhengHei" pitchFamily="34" charset="-120"/>
-                <a:ea typeface="Microsoft JhengHei" pitchFamily="34" charset="-120"/>
-              </a:rPr>
-              <a:t> 貴</a:t>
-            </a:r>
-            <a:r>
-              <a:rPr lang="zh-CN" altLang="en-US" sz="6400" b="1" dirty="0">
-                <a:solidFill>
-                  <a:srgbClr val="660033"/>
-                </a:solidFill>
-                <a:latin typeface="Microsoft JhengHei" pitchFamily="34" charset="-120"/>
-                <a:ea typeface="Microsoft JhengHei" pitchFamily="34" charset="-120"/>
-              </a:rPr>
-              <a:t>得其底蘊</a:t>
+              <a:t>看經功似掘金   貴得其底蘊</a:t>
             </a:r>
             <a:endParaRPr lang="zh-TW" altLang="en-US" sz="6400" b="1" dirty="0">
               <a:solidFill>
@@ -3725,7 +3644,7 @@
         <p:spPr>
           <a:xfrm>
             <a:off x="0" y="5061182"/>
-            <a:ext cx="12192000" cy="830997"/>
+            <a:ext cx="12192000" cy="707886"/>
           </a:xfrm>
           <a:prstGeom prst="rect">
             <a:avLst/>
@@ -3740,14 +3659,14 @@
           <a:p>
             <a:pPr algn="ctr"/>
             <a:r>
-              <a:rPr lang="en-US" sz="4800" b="1" dirty="0">
+              <a:rPr lang="en-US" sz="4000" b="1" dirty="0">
                 <a:solidFill>
                   <a:srgbClr val="660033"/>
                 </a:solidFill>
               </a:rPr>
-              <a:t>( 1 )</a:t>
-            </a:r>
-            <a:endParaRPr lang="vi-VN" sz="4800" b="1" dirty="0">
+              <a:t>( 1 / 3 )</a:t>
+            </a:r>
+            <a:endParaRPr lang="vi-VN" sz="4000" b="1" dirty="0">
               <a:solidFill>
                 <a:srgbClr val="660033"/>
               </a:solidFill>
@@ -3765,11 +3684,11 @@
   <p:clrMapOvr>
     <a:masterClrMapping/>
   </p:clrMapOvr>
-  <mc:AlternateContent xmlns:mc="http://schemas.openxmlformats.org/markup-compatibility/2006">
-    <mc:Choice xmlns:p14="http://schemas.microsoft.com/office/powerpoint/2010/main" Requires="p14">
+  <mc:AlternateContent xmlns:mc="http://schemas.openxmlformats.org/markup-compatibility/2006" xmlns:p14="http://schemas.microsoft.com/office/powerpoint/2010/main">
+    <mc:Choice Requires="p14">
       <p:transition p14:dur="0"/>
     </mc:Choice>
-    <mc:Fallback>
+    <mc:Fallback xmlns="">
       <p:transition/>
     </mc:Fallback>
   </mc:AlternateContent>
@@ -3833,27 +3752,7 @@
                 <a:latin typeface="Microsoft JhengHei" pitchFamily="34" charset="-120"/>
                 <a:ea typeface="Microsoft JhengHei" pitchFamily="34" charset="-120"/>
               </a:rPr>
-              <a:t>成聖須用功夫  </a:t>
-            </a:r>
-            <a:r>
-              <a:rPr lang="zh-CN" altLang="en-US" sz="6400" b="1" dirty="0">
-                <a:solidFill>
-                  <a:srgbClr val="660033"/>
-                </a:solidFill>
-                <a:latin typeface="Microsoft JhengHei" pitchFamily="34" charset="-120"/>
-                <a:ea typeface="Microsoft JhengHei" pitchFamily="34" charset="-120"/>
-              </a:rPr>
-              <a:t> 世</a:t>
-            </a:r>
-            <a:r>
-              <a:rPr lang="zh-CN" altLang="en-US" sz="6400" b="1" dirty="0">
-                <a:solidFill>
-                  <a:srgbClr val="660033"/>
-                </a:solidFill>
-                <a:latin typeface="Microsoft JhengHei" pitchFamily="34" charset="-120"/>
-                <a:ea typeface="Microsoft JhengHei" pitchFamily="34" charset="-120"/>
-              </a:rPr>
-              <a:t>人竟忙碌</a:t>
+              <a:t>成聖須用功夫   世人竟忙碌</a:t>
             </a:r>
             <a:endParaRPr lang="en-US" altLang="zh-CN" sz="6400" b="1" dirty="0">
               <a:solidFill>
@@ -3875,27 +3774,7 @@
                 <a:latin typeface="Microsoft JhengHei" pitchFamily="34" charset="-120"/>
                 <a:ea typeface="Microsoft JhengHei" pitchFamily="34" charset="-120"/>
               </a:rPr>
-              <a:t>莫如忙中仍須  </a:t>
-            </a:r>
-            <a:r>
-              <a:rPr lang="zh-CN" altLang="en-US" sz="6400" b="1" dirty="0">
-                <a:solidFill>
-                  <a:srgbClr val="660033"/>
-                </a:solidFill>
-                <a:latin typeface="Microsoft JhengHei" pitchFamily="34" charset="-120"/>
-                <a:ea typeface="Microsoft JhengHei" pitchFamily="34" charset="-120"/>
-              </a:rPr>
-              <a:t> 常</a:t>
-            </a:r>
-            <a:r>
-              <a:rPr lang="zh-CN" altLang="en-US" sz="6400" b="1" dirty="0">
-                <a:solidFill>
-                  <a:srgbClr val="660033"/>
-                </a:solidFill>
-                <a:latin typeface="Microsoft JhengHei" pitchFamily="34" charset="-120"/>
-                <a:ea typeface="Microsoft JhengHei" pitchFamily="34" charset="-120"/>
-              </a:rPr>
-              <a:t>禱蒙恩福</a:t>
+              <a:t>莫如忙中仍須   常禱蒙恩福</a:t>
             </a:r>
             <a:endParaRPr lang="zh-TW" altLang="en-US" sz="6400" b="1" dirty="0">
               <a:solidFill>
@@ -3916,7 +3795,7 @@
         <p:spPr>
           <a:xfrm>
             <a:off x="0" y="5061182"/>
-            <a:ext cx="12192000" cy="830997"/>
+            <a:ext cx="12192000" cy="707886"/>
           </a:xfrm>
           <a:prstGeom prst="rect">
             <a:avLst/>
@@ -3931,14 +3810,30 @@
           <a:p>
             <a:pPr algn="ctr"/>
             <a:r>
-              <a:rPr lang="en-US" sz="4800" b="1" dirty="0">
+              <a:rPr lang="en-US" sz="4000" b="1" dirty="0">
                 <a:solidFill>
                   <a:srgbClr val="660033"/>
                 </a:solidFill>
               </a:rPr>
-              <a:t>( 2 )</a:t>
-            </a:r>
-            <a:endParaRPr lang="vi-VN" sz="4800" b="1" dirty="0">
+              <a:t>( </a:t>
+            </a:r>
+            <a:r>
+              <a:rPr lang="en-US" sz="4000" b="1" dirty="0">
+                <a:solidFill>
+                  <a:srgbClr val="660033"/>
+                </a:solidFill>
+              </a:rPr>
+              <a:t>2 </a:t>
+            </a:r>
+            <a:r>
+              <a:rPr lang="en-US" sz="4000" b="1" dirty="0">
+                <a:solidFill>
+                  <a:srgbClr val="660033"/>
+                </a:solidFill>
+              </a:rPr>
+              <a:t>/ 3 )</a:t>
+            </a:r>
+            <a:endParaRPr lang="vi-VN" sz="4000" b="1" dirty="0">
               <a:solidFill>
                 <a:srgbClr val="660033"/>
               </a:solidFill>
@@ -3956,11 +3851,11 @@
   <p:clrMapOvr>
     <a:masterClrMapping/>
   </p:clrMapOvr>
-  <mc:AlternateContent xmlns:mc="http://schemas.openxmlformats.org/markup-compatibility/2006">
-    <mc:Choice xmlns:p14="http://schemas.microsoft.com/office/powerpoint/2010/main" Requires="p14">
+  <mc:AlternateContent xmlns:mc="http://schemas.openxmlformats.org/markup-compatibility/2006" xmlns:p14="http://schemas.microsoft.com/office/powerpoint/2010/main">
+    <mc:Choice Requires="p14">
       <p:transition p14:dur="0"/>
     </mc:Choice>
-    <mc:Fallback>
+    <mc:Fallback xmlns="">
       <p:transition/>
     </mc:Fallback>
   </mc:AlternateContent>
@@ -4024,27 +3919,7 @@
                 <a:latin typeface="Microsoft JhengHei" pitchFamily="34" charset="-120"/>
                 <a:ea typeface="Microsoft JhengHei" pitchFamily="34" charset="-120"/>
               </a:rPr>
-              <a:t>注目仰望耶穌  </a:t>
-            </a:r>
-            <a:r>
-              <a:rPr lang="zh-CN" altLang="en-US" sz="6400" b="1" dirty="0">
-                <a:solidFill>
-                  <a:srgbClr val="660033"/>
-                </a:solidFill>
-                <a:latin typeface="Microsoft JhengHei" pitchFamily="34" charset="-120"/>
-                <a:ea typeface="Microsoft JhengHei" pitchFamily="34" charset="-120"/>
-              </a:rPr>
-              <a:t> 性</a:t>
-            </a:r>
-            <a:r>
-              <a:rPr lang="zh-CN" altLang="en-US" sz="6400" b="1" dirty="0">
-                <a:solidFill>
-                  <a:srgbClr val="660033"/>
-                </a:solidFill>
-                <a:latin typeface="Microsoft JhengHei" pitchFamily="34" charset="-120"/>
-                <a:ea typeface="Microsoft JhengHei" pitchFamily="34" charset="-120"/>
-              </a:rPr>
-              <a:t>情自改變</a:t>
+              <a:t>注目仰望耶穌   性情自改變</a:t>
             </a:r>
             <a:endParaRPr lang="en-US" altLang="zh-CN" sz="6400" b="1" dirty="0">
               <a:solidFill>
@@ -4066,27 +3941,7 @@
                 <a:latin typeface="Microsoft JhengHei" pitchFamily="34" charset="-120"/>
                 <a:ea typeface="Microsoft JhengHei" pitchFamily="34" charset="-120"/>
               </a:rPr>
-              <a:t>漸成主之聖徒  </a:t>
-            </a:r>
-            <a:r>
-              <a:rPr lang="zh-CN" altLang="en-US" sz="6400" b="1" dirty="0">
-                <a:solidFill>
-                  <a:srgbClr val="660033"/>
-                </a:solidFill>
-                <a:latin typeface="Microsoft JhengHei" pitchFamily="34" charset="-120"/>
-                <a:ea typeface="Microsoft JhengHei" pitchFamily="34" charset="-120"/>
-              </a:rPr>
-              <a:t> 其</a:t>
-            </a:r>
-            <a:r>
-              <a:rPr lang="zh-CN" altLang="en-US" sz="6400" b="1" dirty="0">
-                <a:solidFill>
-                  <a:srgbClr val="660033"/>
-                </a:solidFill>
-                <a:latin typeface="Microsoft JhengHei" pitchFamily="34" charset="-120"/>
-                <a:ea typeface="Microsoft JhengHei" pitchFamily="34" charset="-120"/>
-              </a:rPr>
-              <a:t>狀必呈現</a:t>
+              <a:t>漸成主之聖徒   其狀必呈現</a:t>
             </a:r>
             <a:endParaRPr lang="en-US" altLang="zh-TW" sz="6400" b="1" dirty="0">
               <a:solidFill>
@@ -4107,7 +3962,7 @@
         <p:spPr>
           <a:xfrm>
             <a:off x="0" y="5061182"/>
-            <a:ext cx="12192000" cy="830997"/>
+            <a:ext cx="12192000" cy="707886"/>
           </a:xfrm>
           <a:prstGeom prst="rect">
             <a:avLst/>
@@ -4122,14 +3977,14 @@
           <a:p>
             <a:pPr algn="ctr"/>
             <a:r>
-              <a:rPr lang="en-US" sz="4800" b="1" dirty="0">
+              <a:rPr lang="en-US" sz="4000" b="1" dirty="0">
                 <a:solidFill>
                   <a:srgbClr val="660033"/>
                 </a:solidFill>
               </a:rPr>
-              <a:t>( 2 )</a:t>
-            </a:r>
-            <a:endParaRPr lang="vi-VN" sz="4800" b="1" dirty="0">
+              <a:t>( 2 / 3 )</a:t>
+            </a:r>
+            <a:endParaRPr lang="vi-VN" sz="4000" b="1" dirty="0">
               <a:solidFill>
                 <a:srgbClr val="660033"/>
               </a:solidFill>
@@ -4147,11 +4002,11 @@
   <p:clrMapOvr>
     <a:masterClrMapping/>
   </p:clrMapOvr>
-  <mc:AlternateContent xmlns:mc="http://schemas.openxmlformats.org/markup-compatibility/2006">
-    <mc:Choice xmlns:p14="http://schemas.microsoft.com/office/powerpoint/2010/main" Requires="p14">
+  <mc:AlternateContent xmlns:mc="http://schemas.openxmlformats.org/markup-compatibility/2006" xmlns:p14="http://schemas.microsoft.com/office/powerpoint/2010/main">
+    <mc:Choice Requires="p14">
       <p:transition p14:dur="0"/>
     </mc:Choice>
-    <mc:Fallback>
+    <mc:Fallback xmlns="">
       <p:transition/>
     </mc:Fallback>
   </mc:AlternateContent>
@@ -4215,27 +4070,7 @@
                 <a:latin typeface="Microsoft JhengHei" pitchFamily="34" charset="-120"/>
                 <a:ea typeface="Microsoft JhengHei" pitchFamily="34" charset="-120"/>
               </a:rPr>
-              <a:t>成聖須用功夫  </a:t>
-            </a:r>
-            <a:r>
-              <a:rPr lang="zh-CN" altLang="en-US" sz="6400" b="1" dirty="0">
-                <a:solidFill>
-                  <a:srgbClr val="660033"/>
-                </a:solidFill>
-                <a:latin typeface="Microsoft JhengHei" pitchFamily="34" charset="-120"/>
-                <a:ea typeface="Microsoft JhengHei" pitchFamily="34" charset="-120"/>
-              </a:rPr>
-              <a:t> 內</a:t>
-            </a:r>
-            <a:r>
-              <a:rPr lang="zh-CN" altLang="en-US" sz="6400" b="1" dirty="0">
-                <a:solidFill>
-                  <a:srgbClr val="660033"/>
-                </a:solidFill>
-                <a:latin typeface="Microsoft JhengHei" pitchFamily="34" charset="-120"/>
-                <a:ea typeface="Microsoft JhengHei" pitchFamily="34" charset="-120"/>
-              </a:rPr>
-              <a:t>心常清淨</a:t>
+              <a:t>成聖須用功夫   內心常清淨</a:t>
             </a:r>
             <a:endParaRPr lang="en-US" altLang="zh-CN" sz="6400" b="1" dirty="0">
               <a:solidFill>
@@ -4257,37 +4092,7 @@
                 <a:latin typeface="Microsoft JhengHei" pitchFamily="34" charset="-120"/>
                 <a:ea typeface="Microsoft JhengHei" pitchFamily="34" charset="-120"/>
               </a:rPr>
-              <a:t>思主</a:t>
-            </a:r>
-            <a:r>
-              <a:rPr lang="zh-CN" altLang="en-US" sz="6400" b="1" dirty="0">
-                <a:solidFill>
-                  <a:srgbClr val="660033"/>
-                </a:solidFill>
-                <a:latin typeface="Microsoft JhengHei" pitchFamily="34" charset="-120"/>
-                <a:ea typeface="Microsoft JhengHei" pitchFamily="34" charset="-120"/>
-              </a:rPr>
-              <a:t>莫大恩榮  </a:t>
-            </a:r>
-            <a:r>
-              <a:rPr lang="zh-CN" altLang="en-US" sz="6400" b="1" dirty="0">
-                <a:solidFill>
-                  <a:srgbClr val="660033"/>
-                </a:solidFill>
-                <a:latin typeface="Microsoft JhengHei" pitchFamily="34" charset="-120"/>
-                <a:ea typeface="Microsoft JhengHei" pitchFamily="34" charset="-120"/>
-              </a:rPr>
-              <a:t> 己</a:t>
-            </a:r>
-            <a:r>
-              <a:rPr lang="zh-CN" altLang="en-US" sz="6400" b="1" dirty="0">
-                <a:solidFill>
-                  <a:srgbClr val="660033"/>
-                </a:solidFill>
-                <a:latin typeface="Microsoft JhengHei" pitchFamily="34" charset="-120"/>
-                <a:ea typeface="Microsoft JhengHei" pitchFamily="34" charset="-120"/>
-              </a:rPr>
-              <a:t>罪亦當省</a:t>
+              <a:t>思主莫大恩榮   己罪亦當省</a:t>
             </a:r>
             <a:endParaRPr lang="en-US" altLang="zh-CN" sz="6400" b="1" dirty="0">
               <a:solidFill>
@@ -4308,7 +4113,7 @@
         <p:spPr>
           <a:xfrm>
             <a:off x="0" y="5061182"/>
-            <a:ext cx="12192000" cy="830997"/>
+            <a:ext cx="12192000" cy="707886"/>
           </a:xfrm>
           <a:prstGeom prst="rect">
             <a:avLst/>
@@ -4323,14 +4128,30 @@
           <a:p>
             <a:pPr algn="ctr"/>
             <a:r>
-              <a:rPr lang="en-US" sz="4800" b="1" dirty="0">
+              <a:rPr lang="en-US" sz="4000" b="1" dirty="0">
                 <a:solidFill>
                   <a:srgbClr val="660033"/>
                 </a:solidFill>
               </a:rPr>
-              <a:t>( 3 )</a:t>
-            </a:r>
-            <a:endParaRPr lang="vi-VN" sz="4800" b="1" dirty="0">
+              <a:t>( </a:t>
+            </a:r>
+            <a:r>
+              <a:rPr lang="en-US" sz="4000" b="1" dirty="0">
+                <a:solidFill>
+                  <a:srgbClr val="660033"/>
+                </a:solidFill>
+              </a:rPr>
+              <a:t>3 </a:t>
+            </a:r>
+            <a:r>
+              <a:rPr lang="en-US" sz="4000" b="1" dirty="0">
+                <a:solidFill>
+                  <a:srgbClr val="660033"/>
+                </a:solidFill>
+              </a:rPr>
+              <a:t>/ 3 )</a:t>
+            </a:r>
+            <a:endParaRPr lang="vi-VN" sz="4000" b="1" dirty="0">
               <a:solidFill>
                 <a:srgbClr val="660033"/>
               </a:solidFill>
@@ -4348,11 +4169,11 @@
   <p:clrMapOvr>
     <a:masterClrMapping/>
   </p:clrMapOvr>
-  <mc:AlternateContent xmlns:mc="http://schemas.openxmlformats.org/markup-compatibility/2006">
-    <mc:Choice xmlns:p14="http://schemas.microsoft.com/office/powerpoint/2010/main" Requires="p14">
+  <mc:AlternateContent xmlns:mc="http://schemas.openxmlformats.org/markup-compatibility/2006" xmlns:p14="http://schemas.microsoft.com/office/powerpoint/2010/main">
+    <mc:Choice Requires="p14">
       <p:transition p14:dur="0"/>
     </mc:Choice>
-    <mc:Fallback>
+    <mc:Fallback xmlns="">
       <p:transition/>
     </mc:Fallback>
   </mc:AlternateContent>
@@ -4416,27 +4237,7 @@
                 <a:latin typeface="Microsoft JhengHei" pitchFamily="34" charset="-120"/>
                 <a:ea typeface="Microsoft JhengHei" pitchFamily="34" charset="-120"/>
               </a:rPr>
-              <a:t>聖靈時在心</a:t>
-            </a:r>
-            <a:r>
-              <a:rPr lang="zh-CN" altLang="en-US" sz="6400" b="1" dirty="0">
-                <a:solidFill>
-                  <a:srgbClr val="660033"/>
-                </a:solidFill>
-                <a:latin typeface="Microsoft JhengHei" pitchFamily="34" charset="-120"/>
-                <a:ea typeface="Microsoft JhengHei" pitchFamily="34" charset="-120"/>
-              </a:rPr>
-              <a:t>內   </a:t>
-            </a:r>
-            <a:r>
-              <a:rPr lang="zh-CN" altLang="en-US" sz="6400" b="1" dirty="0">
-                <a:solidFill>
-                  <a:srgbClr val="660033"/>
-                </a:solidFill>
-                <a:latin typeface="Microsoft JhengHei" pitchFamily="34" charset="-120"/>
-                <a:ea typeface="Microsoft JhengHei" pitchFamily="34" charset="-120"/>
-              </a:rPr>
-              <a:t>訓誨且安撫</a:t>
+              <a:t>聖靈時在心內   訓誨且安撫</a:t>
             </a:r>
             <a:endParaRPr lang="en-US" altLang="zh-CN" sz="6400" b="1" dirty="0">
               <a:solidFill>
@@ -4458,27 +4259,7 @@
                 <a:latin typeface="Microsoft JhengHei" pitchFamily="34" charset="-120"/>
                 <a:ea typeface="Microsoft JhengHei" pitchFamily="34" charset="-120"/>
               </a:rPr>
-              <a:t>終成奇妙恩功  </a:t>
-            </a:r>
-            <a:r>
-              <a:rPr lang="zh-CN" altLang="en-US" sz="6400" b="1" dirty="0">
-                <a:solidFill>
-                  <a:srgbClr val="660033"/>
-                </a:solidFill>
-                <a:latin typeface="Microsoft JhengHei" pitchFamily="34" charset="-120"/>
-                <a:ea typeface="Microsoft JhengHei" pitchFamily="34" charset="-120"/>
-              </a:rPr>
-              <a:t> 使</a:t>
-            </a:r>
-            <a:r>
-              <a:rPr lang="zh-CN" altLang="en-US" sz="6400" b="1" dirty="0">
-                <a:solidFill>
-                  <a:srgbClr val="660033"/>
-                </a:solidFill>
-                <a:latin typeface="Microsoft JhengHei" pitchFamily="34" charset="-120"/>
-                <a:ea typeface="Microsoft JhengHei" pitchFamily="34" charset="-120"/>
-              </a:rPr>
-              <a:t>你像救主</a:t>
+              <a:t>終成奇妙恩功   使你像救主</a:t>
             </a:r>
             <a:endParaRPr lang="en-US" altLang="zh-TW" sz="6400" b="1" dirty="0">
               <a:solidFill>
@@ -4499,7 +4280,7 @@
         <p:spPr>
           <a:xfrm>
             <a:off x="0" y="5061182"/>
-            <a:ext cx="12192000" cy="830997"/>
+            <a:ext cx="12192000" cy="707886"/>
           </a:xfrm>
           <a:prstGeom prst="rect">
             <a:avLst/>
@@ -4514,14 +4295,14 @@
           <a:p>
             <a:pPr algn="ctr"/>
             <a:r>
-              <a:rPr lang="en-US" sz="4800" b="1" dirty="0">
+              <a:rPr lang="en-US" sz="4000" b="1" dirty="0">
                 <a:solidFill>
                   <a:srgbClr val="660033"/>
                 </a:solidFill>
               </a:rPr>
-              <a:t>( 3 )</a:t>
-            </a:r>
-            <a:endParaRPr lang="vi-VN" sz="4800" b="1" dirty="0">
+              <a:t>( 3 / 3 )</a:t>
+            </a:r>
+            <a:endParaRPr lang="vi-VN" sz="4000" b="1" dirty="0">
               <a:solidFill>
                 <a:srgbClr val="660033"/>
               </a:solidFill>
@@ -4539,11 +4320,11 @@
   <p:clrMapOvr>
     <a:masterClrMapping/>
   </p:clrMapOvr>
-  <mc:AlternateContent xmlns:mc="http://schemas.openxmlformats.org/markup-compatibility/2006">
-    <mc:Choice xmlns:p14="http://schemas.microsoft.com/office/powerpoint/2010/main" Requires="p14">
+  <mc:AlternateContent xmlns:mc="http://schemas.openxmlformats.org/markup-compatibility/2006" xmlns:p14="http://schemas.microsoft.com/office/powerpoint/2010/main">
+    <mc:Choice Requires="p14">
       <p:transition p14:dur="0"/>
     </mc:Choice>
-    <mc:Fallback>
+    <mc:Fallback xmlns="">
       <p:transition/>
     </mc:Fallback>
   </mc:AlternateContent>
